--- a/PPT/Lec2/2-Laravel-Routing.pptx
+++ b/PPT/Lec2/2-Laravel-Routing.pptx
@@ -203,7 +203,7 @@
             <a:fld id="{EA38CB6D-63C9-464B-889E-D8FE438905A2}" type="datetimeFigureOut">
               <a:rPr lang="ar-EG" smtClean="0"/>
               <a:pPr/>
-              <a:t>02/04/1440</a:t>
+              <a:t>08/04/1440</a:t>
             </a:fld>
             <a:endParaRPr lang="ar-EG"/>
           </a:p>
@@ -651,7 +651,7 @@
             <a:fld id="{1D8BD707-D9CF-40AE-B4C6-C98DA3205C09}" type="datetimeFigureOut">
               <a:rPr lang="en-US" smtClean="0"/>
               <a:pPr/>
-              <a:t>12/10/2018</a:t>
+              <a:t>12/16/2018</a:t>
             </a:fld>
             <a:endParaRPr lang="en-US"/>
           </a:p>
@@ -818,7 +818,7 @@
             <a:fld id="{1D8BD707-D9CF-40AE-B4C6-C98DA3205C09}" type="datetimeFigureOut">
               <a:rPr lang="en-US" smtClean="0"/>
               <a:pPr/>
-              <a:t>12/10/2018</a:t>
+              <a:t>12/16/2018</a:t>
             </a:fld>
             <a:endParaRPr lang="en-US"/>
           </a:p>
@@ -995,7 +995,7 @@
             <a:fld id="{1D8BD707-D9CF-40AE-B4C6-C98DA3205C09}" type="datetimeFigureOut">
               <a:rPr lang="en-US" smtClean="0"/>
               <a:pPr/>
-              <a:t>12/10/2018</a:t>
+              <a:t>12/16/2018</a:t>
             </a:fld>
             <a:endParaRPr lang="en-US"/>
           </a:p>
@@ -1162,7 +1162,7 @@
             <a:fld id="{1D8BD707-D9CF-40AE-B4C6-C98DA3205C09}" type="datetimeFigureOut">
               <a:rPr lang="en-US" smtClean="0"/>
               <a:pPr/>
-              <a:t>12/10/2018</a:t>
+              <a:t>12/16/2018</a:t>
             </a:fld>
             <a:endParaRPr lang="en-US"/>
           </a:p>
@@ -1405,7 +1405,7 @@
             <a:fld id="{1D8BD707-D9CF-40AE-B4C6-C98DA3205C09}" type="datetimeFigureOut">
               <a:rPr lang="en-US" smtClean="0"/>
               <a:pPr/>
-              <a:t>12/10/2018</a:t>
+              <a:t>12/16/2018</a:t>
             </a:fld>
             <a:endParaRPr lang="en-US"/>
           </a:p>
@@ -1690,7 +1690,7 @@
             <a:fld id="{1D8BD707-D9CF-40AE-B4C6-C98DA3205C09}" type="datetimeFigureOut">
               <a:rPr lang="en-US" smtClean="0"/>
               <a:pPr/>
-              <a:t>12/10/2018</a:t>
+              <a:t>12/16/2018</a:t>
             </a:fld>
             <a:endParaRPr lang="en-US"/>
           </a:p>
@@ -2109,7 +2109,7 @@
             <a:fld id="{1D8BD707-D9CF-40AE-B4C6-C98DA3205C09}" type="datetimeFigureOut">
               <a:rPr lang="en-US" smtClean="0"/>
               <a:pPr/>
-              <a:t>12/10/2018</a:t>
+              <a:t>12/16/2018</a:t>
             </a:fld>
             <a:endParaRPr lang="en-US"/>
           </a:p>
@@ -2224,7 +2224,7 @@
             <a:fld id="{1D8BD707-D9CF-40AE-B4C6-C98DA3205C09}" type="datetimeFigureOut">
               <a:rPr lang="en-US" smtClean="0"/>
               <a:pPr/>
-              <a:t>12/10/2018</a:t>
+              <a:t>12/16/2018</a:t>
             </a:fld>
             <a:endParaRPr lang="en-US"/>
           </a:p>
@@ -2316,7 +2316,7 @@
             <a:fld id="{1D8BD707-D9CF-40AE-B4C6-C98DA3205C09}" type="datetimeFigureOut">
               <a:rPr lang="en-US" smtClean="0"/>
               <a:pPr/>
-              <a:t>12/10/2018</a:t>
+              <a:t>12/16/2018</a:t>
             </a:fld>
             <a:endParaRPr lang="en-US"/>
           </a:p>
@@ -2590,7 +2590,7 @@
             <a:fld id="{1D8BD707-D9CF-40AE-B4C6-C98DA3205C09}" type="datetimeFigureOut">
               <a:rPr lang="en-US" smtClean="0"/>
               <a:pPr/>
-              <a:t>12/10/2018</a:t>
+              <a:t>12/16/2018</a:t>
             </a:fld>
             <a:endParaRPr lang="en-US"/>
           </a:p>
@@ -2840,7 +2840,7 @@
             <a:fld id="{1D8BD707-D9CF-40AE-B4C6-C98DA3205C09}" type="datetimeFigureOut">
               <a:rPr lang="en-US" smtClean="0"/>
               <a:pPr/>
-              <a:t>12/10/2018</a:t>
+              <a:t>12/16/2018</a:t>
             </a:fld>
             <a:endParaRPr lang="en-US"/>
           </a:p>
@@ -3050,7 +3050,7 @@
             <a:fld id="{1D8BD707-D9CF-40AE-B4C6-C98DA3205C09}" type="datetimeFigureOut">
               <a:rPr lang="en-US" smtClean="0"/>
               <a:pPr/>
-              <a:t>12/10/2018</a:t>
+              <a:t>12/16/2018</a:t>
             </a:fld>
             <a:endParaRPr lang="en-US"/>
           </a:p>
@@ -4772,6 +4772,37 @@
           <a:effectLst/>
         </p:spPr>
       </p:pic>
+      <p:sp>
+        <p:nvSpPr>
+          <p:cNvPr id="8" name="Rectangle 7"/>
+          <p:cNvSpPr/>
+          <p:nvPr/>
+        </p:nvSpPr>
+        <p:spPr>
+          <a:xfrm>
+            <a:off x="533400" y="6248400"/>
+            <a:ext cx="2024913" cy="369332"/>
+          </a:xfrm>
+          <a:prstGeom prst="rect">
+            <a:avLst/>
+          </a:prstGeom>
+        </p:spPr>
+        <p:txBody>
+          <a:bodyPr wrap="none">
+            <a:spAutoFit/>
+          </a:bodyPr>
+          <a:lstStyle/>
+          <a:p>
+            <a:r>
+              <a:rPr lang="en-US" dirty="0" smtClean="0">
+                <a:hlinkClick r:id="rId4"/>
+              </a:rPr>
+              <a:t>https://regexr.com/</a:t>
+            </a:r>
+            <a:endParaRPr lang="en-US" dirty="0"/>
+          </a:p>
+        </p:txBody>
+      </p:sp>
     </p:spTree>
   </p:cSld>
   <p:clrMapOvr>
